--- a/questionnaire/survey_flow.pptx
+++ b/questionnaire/survey_flow.pptx
@@ -263,7 +263,7 @@
           <a:p>
             <a:fld id="{8CF137EE-87A5-9546-85D3-1692150F7E7C}" type="datetimeFigureOut">
               <a:rPr lang="en-US" smtClean="0"/>
-              <a:t>1/9/2023</a:t>
+              <a:t>5/19/2023</a:t>
             </a:fld>
             <a:endParaRPr lang="en-US"/>
           </a:p>
@@ -461,7 +461,7 @@
           <a:p>
             <a:fld id="{8CF137EE-87A5-9546-85D3-1692150F7E7C}" type="datetimeFigureOut">
               <a:rPr lang="en-US" smtClean="0"/>
-              <a:t>1/9/2023</a:t>
+              <a:t>5/19/2023</a:t>
             </a:fld>
             <a:endParaRPr lang="en-US"/>
           </a:p>
@@ -669,7 +669,7 @@
           <a:p>
             <a:fld id="{8CF137EE-87A5-9546-85D3-1692150F7E7C}" type="datetimeFigureOut">
               <a:rPr lang="en-US" smtClean="0"/>
-              <a:t>1/9/2023</a:t>
+              <a:t>5/19/2023</a:t>
             </a:fld>
             <a:endParaRPr lang="en-US"/>
           </a:p>
@@ -867,7 +867,7 @@
           <a:p>
             <a:fld id="{8CF137EE-87A5-9546-85D3-1692150F7E7C}" type="datetimeFigureOut">
               <a:rPr lang="en-US" smtClean="0"/>
-              <a:t>1/9/2023</a:t>
+              <a:t>5/19/2023</a:t>
             </a:fld>
             <a:endParaRPr lang="en-US"/>
           </a:p>
@@ -1142,7 +1142,7 @@
           <a:p>
             <a:fld id="{8CF137EE-87A5-9546-85D3-1692150F7E7C}" type="datetimeFigureOut">
               <a:rPr lang="en-US" smtClean="0"/>
-              <a:t>1/9/2023</a:t>
+              <a:t>5/19/2023</a:t>
             </a:fld>
             <a:endParaRPr lang="en-US"/>
           </a:p>
@@ -1407,7 +1407,7 @@
           <a:p>
             <a:fld id="{8CF137EE-87A5-9546-85D3-1692150F7E7C}" type="datetimeFigureOut">
               <a:rPr lang="en-US" smtClean="0"/>
-              <a:t>1/9/2023</a:t>
+              <a:t>5/19/2023</a:t>
             </a:fld>
             <a:endParaRPr lang="en-US"/>
           </a:p>
@@ -1819,7 +1819,7 @@
           <a:p>
             <a:fld id="{8CF137EE-87A5-9546-85D3-1692150F7E7C}" type="datetimeFigureOut">
               <a:rPr lang="en-US" smtClean="0"/>
-              <a:t>1/9/2023</a:t>
+              <a:t>5/19/2023</a:t>
             </a:fld>
             <a:endParaRPr lang="en-US"/>
           </a:p>
@@ -1960,7 +1960,7 @@
           <a:p>
             <a:fld id="{8CF137EE-87A5-9546-85D3-1692150F7E7C}" type="datetimeFigureOut">
               <a:rPr lang="en-US" smtClean="0"/>
-              <a:t>1/9/2023</a:t>
+              <a:t>5/19/2023</a:t>
             </a:fld>
             <a:endParaRPr lang="en-US"/>
           </a:p>
@@ -2073,7 +2073,7 @@
           <a:p>
             <a:fld id="{8CF137EE-87A5-9546-85D3-1692150F7E7C}" type="datetimeFigureOut">
               <a:rPr lang="en-US" smtClean="0"/>
-              <a:t>1/9/2023</a:t>
+              <a:t>5/19/2023</a:t>
             </a:fld>
             <a:endParaRPr lang="en-US"/>
           </a:p>
@@ -2384,7 +2384,7 @@
           <a:p>
             <a:fld id="{8CF137EE-87A5-9546-85D3-1692150F7E7C}" type="datetimeFigureOut">
               <a:rPr lang="en-US" smtClean="0"/>
-              <a:t>1/9/2023</a:t>
+              <a:t>5/19/2023</a:t>
             </a:fld>
             <a:endParaRPr lang="en-US"/>
           </a:p>
@@ -2672,7 +2672,7 @@
           <a:p>
             <a:fld id="{8CF137EE-87A5-9546-85D3-1692150F7E7C}" type="datetimeFigureOut">
               <a:rPr lang="en-US" smtClean="0"/>
-              <a:t>1/9/2023</a:t>
+              <a:t>5/19/2023</a:t>
             </a:fld>
             <a:endParaRPr lang="en-US"/>
           </a:p>
@@ -2913,7 +2913,7 @@
           <a:p>
             <a:fld id="{8CF137EE-87A5-9546-85D3-1692150F7E7C}" type="datetimeFigureOut">
               <a:rPr lang="en-US" smtClean="0"/>
-              <a:t>1/9/2023</a:t>
+              <a:t>5/19/2023</a:t>
             </a:fld>
             <a:endParaRPr lang="en-US"/>
           </a:p>
@@ -8105,214 +8105,6 @@
           </a:p>
         </p:txBody>
       </p:sp>
-      <p:sp>
-        <p:nvSpPr>
-          <p:cNvPr id="43" name="Rectangle 42">
-            <a:extLst>
-              <a:ext uri="{FF2B5EF4-FFF2-40B4-BE49-F238E27FC236}">
-                <a16:creationId xmlns:a16="http://schemas.microsoft.com/office/drawing/2014/main" id="{6688C780-1020-FE43-A609-8F79330ADBFE}"/>
-              </a:ext>
-            </a:extLst>
-          </p:cNvPr>
-          <p:cNvSpPr/>
-          <p:nvPr/>
-        </p:nvSpPr>
-        <p:spPr>
-          <a:xfrm>
-            <a:off x="6753077" y="3503816"/>
-            <a:ext cx="4634059" cy="210398"/>
-          </a:xfrm>
-          <a:prstGeom prst="rect">
-            <a:avLst/>
-          </a:prstGeom>
-          <a:solidFill>
-            <a:schemeClr val="bg1">
-              <a:lumMod val="95000"/>
-            </a:schemeClr>
-          </a:solidFill>
-          <a:ln>
-            <a:solidFill>
-              <a:schemeClr val="tx1"/>
-            </a:solidFill>
-          </a:ln>
-        </p:spPr>
-        <p:style>
-          <a:lnRef idx="2">
-            <a:schemeClr val="accent1">
-              <a:shade val="50000"/>
-            </a:schemeClr>
-          </a:lnRef>
-          <a:fillRef idx="1">
-            <a:schemeClr val="accent1"/>
-          </a:fillRef>
-          <a:effectRef idx="0">
-            <a:schemeClr val="accent1"/>
-          </a:effectRef>
-          <a:fontRef idx="minor">
-            <a:schemeClr val="lt1"/>
-          </a:fontRef>
-        </p:style>
-        <p:txBody>
-          <a:bodyPr rtlCol="0" anchor="ctr"/>
-          <a:lstStyle/>
-          <a:p>
-            <a:pPr algn="ctr"/>
-            <a:r>
-              <a:rPr lang="fr-CH" sz="1200" dirty="0" smtClean="0">
-                <a:solidFill>
-                  <a:schemeClr val="tx1"/>
-                </a:solidFill>
-              </a:rPr>
-              <a:t>If more (</a:t>
-            </a:r>
-            <a:r>
-              <a:rPr lang="fr-CH" sz="1200" dirty="0" err="1" smtClean="0">
-                <a:solidFill>
-                  <a:schemeClr val="tx1"/>
-                </a:solidFill>
-              </a:rPr>
-              <a:t>less</a:t>
-            </a:r>
-            <a:r>
-              <a:rPr lang="fr-CH" sz="1200" dirty="0" smtClean="0">
-                <a:solidFill>
-                  <a:schemeClr val="tx1"/>
-                </a:solidFill>
-              </a:rPr>
-              <a:t>) </a:t>
-            </a:r>
-            <a:r>
-              <a:rPr lang="fr-CH" sz="1200" dirty="0" err="1" smtClean="0">
-                <a:solidFill>
-                  <a:schemeClr val="tx1"/>
-                </a:solidFill>
-              </a:rPr>
-              <a:t>than</a:t>
-            </a:r>
-            <a:r>
-              <a:rPr lang="fr-CH" sz="1200" dirty="0" smtClean="0">
-                <a:solidFill>
-                  <a:schemeClr val="tx1"/>
-                </a:solidFill>
-              </a:rPr>
-              <a:t> </a:t>
-            </a:r>
-            <a:r>
-              <a:rPr lang="fr-CH" sz="1200" dirty="0" err="1" smtClean="0">
-                <a:solidFill>
-                  <a:schemeClr val="tx1"/>
-                </a:solidFill>
-              </a:rPr>
-              <a:t>guess</a:t>
-            </a:r>
-            <a:r>
-              <a:rPr lang="fr-CH" sz="1200" dirty="0" smtClean="0">
-                <a:solidFill>
-                  <a:schemeClr val="tx1"/>
-                </a:solidFill>
-              </a:rPr>
-              <a:t>, how to finance </a:t>
-            </a:r>
-            <a:r>
-              <a:rPr lang="fr-CH" sz="1200" dirty="0" err="1" smtClean="0">
-                <a:solidFill>
-                  <a:schemeClr val="tx1"/>
-                </a:solidFill>
-              </a:rPr>
-              <a:t>it</a:t>
-            </a:r>
-            <a:r>
-              <a:rPr lang="fr-CH" sz="1200" dirty="0" smtClean="0">
-                <a:solidFill>
-                  <a:schemeClr val="tx1"/>
-                </a:solidFill>
-              </a:rPr>
-              <a:t> (or use the </a:t>
-            </a:r>
-            <a:r>
-              <a:rPr lang="fr-CH" sz="1200" dirty="0" err="1" smtClean="0">
-                <a:solidFill>
-                  <a:schemeClr val="tx1"/>
-                </a:solidFill>
-              </a:rPr>
-              <a:t>spared</a:t>
-            </a:r>
-            <a:r>
-              <a:rPr lang="fr-CH" sz="1200" dirty="0" smtClean="0">
-                <a:solidFill>
-                  <a:schemeClr val="tx1"/>
-                </a:solidFill>
-              </a:rPr>
-              <a:t> </a:t>
-            </a:r>
-            <a:r>
-              <a:rPr lang="fr-CH" sz="1200" dirty="0" err="1" smtClean="0">
-                <a:solidFill>
-                  <a:schemeClr val="tx1"/>
-                </a:solidFill>
-              </a:rPr>
-              <a:t>spending</a:t>
-            </a:r>
-            <a:r>
-              <a:rPr lang="fr-CH" sz="1200" dirty="0" smtClean="0">
-                <a:solidFill>
-                  <a:schemeClr val="tx1"/>
-                </a:solidFill>
-              </a:rPr>
-              <a:t>)</a:t>
-            </a:r>
-            <a:endParaRPr lang="en-US" sz="1100" dirty="0">
-              <a:solidFill>
-                <a:schemeClr val="tx1"/>
-              </a:solidFill>
-            </a:endParaRPr>
-          </a:p>
-        </p:txBody>
-      </p:sp>
-      <p:cxnSp>
-        <p:nvCxnSpPr>
-          <p:cNvPr id="45" name="Straight Arrow Connector 6">
-            <a:extLst>
-              <a:ext uri="{FF2B5EF4-FFF2-40B4-BE49-F238E27FC236}">
-                <a16:creationId xmlns:a16="http://schemas.microsoft.com/office/drawing/2014/main" id="{BA31DAC9-4FF0-4F42-B53D-9A00039ECA80}"/>
-              </a:ext>
-            </a:extLst>
-          </p:cNvPr>
-          <p:cNvCxnSpPr>
-            <a:cxnSpLocks/>
-          </p:cNvCxnSpPr>
-          <p:nvPr/>
-        </p:nvCxnSpPr>
-        <p:spPr>
-          <a:xfrm flipH="1">
-            <a:off x="9544997" y="3186206"/>
-            <a:ext cx="762" cy="303290"/>
-          </a:xfrm>
-          <a:prstGeom prst="straightConnector1">
-            <a:avLst/>
-          </a:prstGeom>
-          <a:ln w="38100">
-            <a:solidFill>
-              <a:schemeClr val="tx1"/>
-            </a:solidFill>
-            <a:tailEnd type="triangle"/>
-          </a:ln>
-        </p:spPr>
-        <p:style>
-          <a:lnRef idx="1">
-            <a:schemeClr val="accent1"/>
-          </a:lnRef>
-          <a:fillRef idx="0">
-            <a:schemeClr val="accent1"/>
-          </a:fillRef>
-          <a:effectRef idx="0">
-            <a:schemeClr val="accent1"/>
-          </a:effectRef>
-          <a:fontRef idx="minor">
-            <a:schemeClr val="tx1"/>
-          </a:fontRef>
-        </p:style>
-      </p:cxnSp>
     </p:spTree>
     <p:extLst>
       <p:ext uri="{BB962C8B-B14F-4D97-AF65-F5344CB8AC3E}">
@@ -10250,23 +10042,7 @@
                   <a:schemeClr val="tx1"/>
                 </a:solidFill>
               </a:rPr>
-              <a:t>Values, conjoint analysis (d), prioritization of policies</a:t>
-            </a:r>
-            <a:r>
-              <a:rPr lang="en-US" sz="1200" b="1" dirty="0" smtClean="0">
-                <a:solidFill>
-                  <a:schemeClr val="tx1"/>
-                </a:solidFill>
-              </a:rPr>
-              <a:t>, ETS2, </a:t>
-            </a:r>
-            <a:r>
-              <a:rPr lang="en-US" sz="1200" b="1" dirty="0" smtClean="0">
-                <a:solidFill>
-                  <a:schemeClr val="tx1"/>
-                </a:solidFill>
-              </a:rPr>
-              <a:t>and feedback</a:t>
+              <a:t>Values, conjoint analysis (d), prioritization of policies, ETS2, and feedback</a:t>
             </a:r>
           </a:p>
           <a:p>
@@ -10277,7 +10053,15 @@
                   <a:schemeClr val="tx1"/>
                 </a:solidFill>
               </a:rPr>
-              <a:t>Amount donated, </a:t>
+              <a:t>Amount donated, interest in politics, vote in last election, universalistic vs. egoistic values, conjoint analysis, </a:t>
+            </a:r>
+            <a:r>
+              <a:rPr lang="en-US" sz="1100" dirty="0">
+                <a:solidFill>
+                  <a:schemeClr val="tx1"/>
+                </a:solidFill>
+              </a:rPr>
+              <a:t>split of 100 points among 6 policies</a:t>
             </a:r>
             <a:r>
               <a:rPr lang="en-US" sz="1100" dirty="0" smtClean="0">
@@ -10285,31 +10069,7 @@
                   <a:schemeClr val="tx1"/>
                 </a:solidFill>
               </a:rPr>
-              <a:t>interest in politics, vote in last election, universalistic vs. egoistic values, conjoint analysis, </a:t>
-            </a:r>
-            <a:r>
-              <a:rPr lang="en-US" sz="1100" dirty="0">
-                <a:solidFill>
-                  <a:schemeClr val="tx1"/>
-                </a:solidFill>
-              </a:rPr>
-              <a:t>split of 100 points among 6 policies</a:t>
-            </a:r>
-            <a:r>
-              <a:rPr lang="en-US" sz="1100" dirty="0" smtClean="0">
-                <a:solidFill>
-                  <a:schemeClr val="tx1"/>
-                </a:solidFill>
-              </a:rPr>
-              <a:t>, questions on the ETS2, feedback</a:t>
-            </a:r>
-            <a:r>
-              <a:rPr lang="en-US" sz="1100" dirty="0" smtClean="0">
-                <a:solidFill>
-                  <a:schemeClr val="tx1"/>
-                </a:solidFill>
-              </a:rPr>
-              <a:t>.</a:t>
+              <a:t>, questions on the ETS2, feedback.</a:t>
             </a:r>
             <a:endParaRPr lang="en-US" sz="1100" dirty="0">
               <a:solidFill>
@@ -11545,214 +11305,6 @@
           <a:xfrm>
             <a:off x="6130280" y="4453845"/>
             <a:ext cx="1" cy="272687"/>
-          </a:xfrm>
-          <a:prstGeom prst="straightConnector1">
-            <a:avLst/>
-          </a:prstGeom>
-          <a:ln w="38100">
-            <a:solidFill>
-              <a:schemeClr val="tx1"/>
-            </a:solidFill>
-            <a:tailEnd type="triangle"/>
-          </a:ln>
-        </p:spPr>
-        <p:style>
-          <a:lnRef idx="1">
-            <a:schemeClr val="accent1"/>
-          </a:lnRef>
-          <a:fillRef idx="0">
-            <a:schemeClr val="accent1"/>
-          </a:fillRef>
-          <a:effectRef idx="0">
-            <a:schemeClr val="accent1"/>
-          </a:effectRef>
-          <a:fontRef idx="minor">
-            <a:schemeClr val="tx1"/>
-          </a:fontRef>
-        </p:style>
-      </p:cxnSp>
-      <p:sp>
-        <p:nvSpPr>
-          <p:cNvPr id="62" name="Rectangle 61">
-            <a:extLst>
-              <a:ext uri="{FF2B5EF4-FFF2-40B4-BE49-F238E27FC236}">
-                <a16:creationId xmlns:a16="http://schemas.microsoft.com/office/drawing/2014/main" id="{6688C780-1020-FE43-A609-8F79330ADBFE}"/>
-              </a:ext>
-            </a:extLst>
-          </p:cNvPr>
-          <p:cNvSpPr/>
-          <p:nvPr/>
-        </p:nvSpPr>
-        <p:spPr>
-          <a:xfrm>
-            <a:off x="6720463" y="5507078"/>
-            <a:ext cx="4321857" cy="176799"/>
-          </a:xfrm>
-          <a:prstGeom prst="rect">
-            <a:avLst/>
-          </a:prstGeom>
-          <a:solidFill>
-            <a:schemeClr val="bg1">
-              <a:lumMod val="95000"/>
-            </a:schemeClr>
-          </a:solidFill>
-          <a:ln>
-            <a:solidFill>
-              <a:schemeClr val="tx1"/>
-            </a:solidFill>
-          </a:ln>
-        </p:spPr>
-        <p:style>
-          <a:lnRef idx="2">
-            <a:schemeClr val="accent1">
-              <a:shade val="50000"/>
-            </a:schemeClr>
-          </a:lnRef>
-          <a:fillRef idx="1">
-            <a:schemeClr val="accent1"/>
-          </a:fillRef>
-          <a:effectRef idx="0">
-            <a:schemeClr val="accent1"/>
-          </a:effectRef>
-          <a:fontRef idx="minor">
-            <a:schemeClr val="lt1"/>
-          </a:fontRef>
-        </p:style>
-        <p:txBody>
-          <a:bodyPr rtlCol="0" anchor="ctr"/>
-          <a:lstStyle/>
-          <a:p>
-            <a:pPr algn="ctr"/>
-            <a:r>
-              <a:rPr lang="fr-CH" sz="1100" dirty="0" smtClean="0">
-                <a:solidFill>
-                  <a:schemeClr val="tx1"/>
-                </a:solidFill>
-              </a:rPr>
-              <a:t>If more (</a:t>
-            </a:r>
-            <a:r>
-              <a:rPr lang="fr-CH" sz="1100" dirty="0" err="1" smtClean="0">
-                <a:solidFill>
-                  <a:schemeClr val="tx1"/>
-                </a:solidFill>
-              </a:rPr>
-              <a:t>less</a:t>
-            </a:r>
-            <a:r>
-              <a:rPr lang="fr-CH" sz="1100" dirty="0" smtClean="0">
-                <a:solidFill>
-                  <a:schemeClr val="tx1"/>
-                </a:solidFill>
-              </a:rPr>
-              <a:t>) </a:t>
-            </a:r>
-            <a:r>
-              <a:rPr lang="fr-CH" sz="1100" dirty="0" err="1" smtClean="0">
-                <a:solidFill>
-                  <a:schemeClr val="tx1"/>
-                </a:solidFill>
-              </a:rPr>
-              <a:t>than</a:t>
-            </a:r>
-            <a:r>
-              <a:rPr lang="fr-CH" sz="1100" dirty="0" smtClean="0">
-                <a:solidFill>
-                  <a:schemeClr val="tx1"/>
-                </a:solidFill>
-              </a:rPr>
-              <a:t> </a:t>
-            </a:r>
-            <a:r>
-              <a:rPr lang="fr-CH" sz="1100" dirty="0" err="1" smtClean="0">
-                <a:solidFill>
-                  <a:schemeClr val="tx1"/>
-                </a:solidFill>
-              </a:rPr>
-              <a:t>guess</a:t>
-            </a:r>
-            <a:r>
-              <a:rPr lang="fr-CH" sz="1100" dirty="0" smtClean="0">
-                <a:solidFill>
-                  <a:schemeClr val="tx1"/>
-                </a:solidFill>
-              </a:rPr>
-              <a:t>, how to finance </a:t>
-            </a:r>
-            <a:r>
-              <a:rPr lang="fr-CH" sz="1100" dirty="0" err="1" smtClean="0">
-                <a:solidFill>
-                  <a:schemeClr val="tx1"/>
-                </a:solidFill>
-              </a:rPr>
-              <a:t>it</a:t>
-            </a:r>
-            <a:r>
-              <a:rPr lang="fr-CH" sz="1100" dirty="0" smtClean="0">
-                <a:solidFill>
-                  <a:schemeClr val="tx1"/>
-                </a:solidFill>
-              </a:rPr>
-              <a:t> (or use the </a:t>
-            </a:r>
-            <a:r>
-              <a:rPr lang="fr-CH" sz="1100" dirty="0" err="1" smtClean="0">
-                <a:solidFill>
-                  <a:schemeClr val="tx1"/>
-                </a:solidFill>
-              </a:rPr>
-              <a:t>spared</a:t>
-            </a:r>
-            <a:r>
-              <a:rPr lang="fr-CH" sz="1100" dirty="0" smtClean="0">
-                <a:solidFill>
-                  <a:schemeClr val="tx1"/>
-                </a:solidFill>
-              </a:rPr>
-              <a:t> </a:t>
-            </a:r>
-            <a:r>
-              <a:rPr lang="fr-CH" sz="1100" dirty="0" err="1" smtClean="0">
-                <a:solidFill>
-                  <a:schemeClr val="tx1"/>
-                </a:solidFill>
-              </a:rPr>
-              <a:t>spending</a:t>
-            </a:r>
-            <a:r>
-              <a:rPr lang="fr-CH" sz="1100" dirty="0" smtClean="0">
-                <a:solidFill>
-                  <a:schemeClr val="tx1"/>
-                </a:solidFill>
-              </a:rPr>
-              <a:t>)</a:t>
-            </a:r>
-            <a:endParaRPr lang="en-US" sz="1050" dirty="0">
-              <a:solidFill>
-                <a:schemeClr val="tx1"/>
-              </a:solidFill>
-            </a:endParaRPr>
-          </a:p>
-        </p:txBody>
-      </p:sp>
-      <p:cxnSp>
-        <p:nvCxnSpPr>
-          <p:cNvPr id="67" name="Straight Arrow Connector 6">
-            <a:extLst>
-              <a:ext uri="{FF2B5EF4-FFF2-40B4-BE49-F238E27FC236}">
-                <a16:creationId xmlns:a16="http://schemas.microsoft.com/office/drawing/2014/main" id="{BA31DAC9-4FF0-4F42-B53D-9A00039ECA80}"/>
-              </a:ext>
-            </a:extLst>
-          </p:cNvPr>
-          <p:cNvCxnSpPr>
-            <a:cxnSpLocks/>
-          </p:cNvCxnSpPr>
-          <p:nvPr/>
-        </p:nvCxnSpPr>
-        <p:spPr>
-          <a:xfrm flipH="1">
-            <a:off x="9376700" y="5230790"/>
-            <a:ext cx="700" cy="254858"/>
           </a:xfrm>
           <a:prstGeom prst="straightConnector1">
             <a:avLst/>

--- a/questionnaire/survey_flow.pptx
+++ b/questionnaire/survey_flow.pptx
@@ -265,7 +265,7 @@
           <a:p>
             <a:fld id="{8CF137EE-87A5-9546-85D3-1692150F7E7C}" type="datetimeFigureOut">
               <a:rPr lang="en-US" smtClean="0"/>
-              <a:t>8/22/2024</a:t>
+              <a:t>8/24/2024</a:t>
             </a:fld>
             <a:endParaRPr lang="en-US"/>
           </a:p>
@@ -463,7 +463,7 @@
           <a:p>
             <a:fld id="{8CF137EE-87A5-9546-85D3-1692150F7E7C}" type="datetimeFigureOut">
               <a:rPr lang="en-US" smtClean="0"/>
-              <a:t>8/22/2024</a:t>
+              <a:t>8/24/2024</a:t>
             </a:fld>
             <a:endParaRPr lang="en-US"/>
           </a:p>
@@ -671,7 +671,7 @@
           <a:p>
             <a:fld id="{8CF137EE-87A5-9546-85D3-1692150F7E7C}" type="datetimeFigureOut">
               <a:rPr lang="en-US" smtClean="0"/>
-              <a:t>8/22/2024</a:t>
+              <a:t>8/24/2024</a:t>
             </a:fld>
             <a:endParaRPr lang="en-US"/>
           </a:p>
@@ -869,7 +869,7 @@
           <a:p>
             <a:fld id="{8CF137EE-87A5-9546-85D3-1692150F7E7C}" type="datetimeFigureOut">
               <a:rPr lang="en-US" smtClean="0"/>
-              <a:t>8/22/2024</a:t>
+              <a:t>8/24/2024</a:t>
             </a:fld>
             <a:endParaRPr lang="en-US"/>
           </a:p>
@@ -1144,7 +1144,7 @@
           <a:p>
             <a:fld id="{8CF137EE-87A5-9546-85D3-1692150F7E7C}" type="datetimeFigureOut">
               <a:rPr lang="en-US" smtClean="0"/>
-              <a:t>8/22/2024</a:t>
+              <a:t>8/24/2024</a:t>
             </a:fld>
             <a:endParaRPr lang="en-US"/>
           </a:p>
@@ -1409,7 +1409,7 @@
           <a:p>
             <a:fld id="{8CF137EE-87A5-9546-85D3-1692150F7E7C}" type="datetimeFigureOut">
               <a:rPr lang="en-US" smtClean="0"/>
-              <a:t>8/22/2024</a:t>
+              <a:t>8/24/2024</a:t>
             </a:fld>
             <a:endParaRPr lang="en-US"/>
           </a:p>
@@ -1821,7 +1821,7 @@
           <a:p>
             <a:fld id="{8CF137EE-87A5-9546-85D3-1692150F7E7C}" type="datetimeFigureOut">
               <a:rPr lang="en-US" smtClean="0"/>
-              <a:t>8/22/2024</a:t>
+              <a:t>8/24/2024</a:t>
             </a:fld>
             <a:endParaRPr lang="en-US"/>
           </a:p>
@@ -1962,7 +1962,7 @@
           <a:p>
             <a:fld id="{8CF137EE-87A5-9546-85D3-1692150F7E7C}" type="datetimeFigureOut">
               <a:rPr lang="en-US" smtClean="0"/>
-              <a:t>8/22/2024</a:t>
+              <a:t>8/24/2024</a:t>
             </a:fld>
             <a:endParaRPr lang="en-US"/>
           </a:p>
@@ -2075,7 +2075,7 @@
           <a:p>
             <a:fld id="{8CF137EE-87A5-9546-85D3-1692150F7E7C}" type="datetimeFigureOut">
               <a:rPr lang="en-US" smtClean="0"/>
-              <a:t>8/22/2024</a:t>
+              <a:t>8/24/2024</a:t>
             </a:fld>
             <a:endParaRPr lang="en-US"/>
           </a:p>
@@ -2386,7 +2386,7 @@
           <a:p>
             <a:fld id="{8CF137EE-87A5-9546-85D3-1692150F7E7C}" type="datetimeFigureOut">
               <a:rPr lang="en-US" smtClean="0"/>
-              <a:t>8/22/2024</a:t>
+              <a:t>8/24/2024</a:t>
             </a:fld>
             <a:endParaRPr lang="en-US"/>
           </a:p>
@@ -2674,7 +2674,7 @@
           <a:p>
             <a:fld id="{8CF137EE-87A5-9546-85D3-1692150F7E7C}" type="datetimeFigureOut">
               <a:rPr lang="en-US" smtClean="0"/>
-              <a:t>8/22/2024</a:t>
+              <a:t>8/24/2024</a:t>
             </a:fld>
             <a:endParaRPr lang="en-US"/>
           </a:p>
@@ -2915,7 +2915,7 @@
           <a:p>
             <a:fld id="{8CF137EE-87A5-9546-85D3-1692150F7E7C}" type="datetimeFigureOut">
               <a:rPr lang="en-US" smtClean="0"/>
-              <a:t>8/22/2024</a:t>
+              <a:t>8/24/2024</a:t>
             </a:fld>
             <a:endParaRPr lang="en-US"/>
           </a:p>
@@ -6061,155 +6061,6 @@
       </p:sp>
       <p:sp>
         <p:nvSpPr>
-          <p:cNvPr id="42" name="Rectangle 41">
-            <a:extLst>
-              <a:ext uri="{FF2B5EF4-FFF2-40B4-BE49-F238E27FC236}">
-                <a16:creationId xmlns:a16="http://schemas.microsoft.com/office/drawing/2014/main" id="{72C06E10-03E7-594B-91A0-D06A47971C2A}"/>
-              </a:ext>
-            </a:extLst>
-          </p:cNvPr>
-          <p:cNvSpPr/>
-          <p:nvPr/>
-        </p:nvSpPr>
-        <p:spPr>
-          <a:xfrm>
-            <a:off x="476003" y="3878260"/>
-            <a:ext cx="11178868" cy="442939"/>
-          </a:xfrm>
-          <a:prstGeom prst="rect">
-            <a:avLst/>
-          </a:prstGeom>
-          <a:solidFill>
-            <a:schemeClr val="bg1">
-              <a:lumMod val="95000"/>
-            </a:schemeClr>
-          </a:solidFill>
-          <a:ln>
-            <a:solidFill>
-              <a:schemeClr val="tx1"/>
-            </a:solidFill>
-          </a:ln>
-        </p:spPr>
-        <p:style>
-          <a:lnRef idx="2">
-            <a:schemeClr val="accent1">
-              <a:shade val="50000"/>
-            </a:schemeClr>
-          </a:lnRef>
-          <a:fillRef idx="1">
-            <a:schemeClr val="accent1"/>
-          </a:fillRef>
-          <a:effectRef idx="0">
-            <a:schemeClr val="accent1"/>
-          </a:effectRef>
-          <a:fontRef idx="minor">
-            <a:schemeClr val="lt1"/>
-          </a:fontRef>
-        </p:style>
-        <p:txBody>
-          <a:bodyPr rtlCol="0" anchor="ctr"/>
-          <a:lstStyle/>
-          <a:p>
-            <a:pPr algn="ctr"/>
-            <a:r>
-              <a:rPr lang="fr-FR" sz="1400" b="1" dirty="0" err="1" smtClean="0">
-                <a:solidFill>
-                  <a:schemeClr val="tx1"/>
-                </a:solidFill>
-              </a:rPr>
-              <a:t>Realistic</a:t>
-            </a:r>
-            <a:r>
-              <a:rPr lang="fr-FR" sz="1400" b="1" dirty="0" smtClean="0">
-                <a:solidFill>
-                  <a:schemeClr val="tx1"/>
-                </a:solidFill>
-              </a:rPr>
-              <a:t> global </a:t>
-            </a:r>
-            <a:r>
-              <a:rPr lang="fr-FR" sz="1400" b="1" dirty="0" err="1" smtClean="0">
-                <a:solidFill>
-                  <a:schemeClr val="tx1"/>
-                </a:solidFill>
-              </a:rPr>
-              <a:t>redistributive</a:t>
-            </a:r>
-            <a:r>
-              <a:rPr lang="fr-FR" sz="1400" b="1" dirty="0" smtClean="0">
-                <a:solidFill>
-                  <a:schemeClr val="tx1"/>
-                </a:solidFill>
-              </a:rPr>
-              <a:t> </a:t>
-            </a:r>
-            <a:r>
-              <a:rPr lang="fr-FR" sz="1400" b="1" dirty="0" err="1" smtClean="0">
-                <a:solidFill>
-                  <a:schemeClr val="tx1"/>
-                </a:solidFill>
-              </a:rPr>
-              <a:t>policies</a:t>
-            </a:r>
-            <a:endParaRPr lang="en-US" sz="1600" b="1" dirty="0">
-              <a:solidFill>
-                <a:schemeClr val="tx1"/>
-              </a:solidFill>
-            </a:endParaRPr>
-          </a:p>
-          <a:p>
-            <a:pPr algn="ctr"/>
-            <a:r>
-              <a:rPr lang="en-US" sz="1200" dirty="0" smtClean="0">
-                <a:solidFill>
-                  <a:schemeClr val="tx1"/>
-                </a:solidFill>
-              </a:rPr>
-              <a:t>Support for damage compensation, renewable energy development, adaptation fund; should U.S. foreign </a:t>
-            </a:r>
-            <a:r>
-              <a:rPr lang="en-US" sz="1200" dirty="0">
-                <a:solidFill>
-                  <a:schemeClr val="tx1"/>
-                </a:solidFill>
-              </a:rPr>
-              <a:t>aid increase (and under what </a:t>
-            </a:r>
-            <a:r>
-              <a:rPr lang="en-US" sz="1200" dirty="0" smtClean="0">
-                <a:solidFill>
-                  <a:schemeClr val="tx1"/>
-                </a:solidFill>
-              </a:rPr>
-              <a:t>conditions) </a:t>
-            </a:r>
-            <a:r>
-              <a:rPr lang="en-US" sz="1200" dirty="0">
-                <a:solidFill>
-                  <a:schemeClr val="tx1"/>
-                </a:solidFill>
-              </a:rPr>
-              <a:t>or </a:t>
-            </a:r>
-            <a:r>
-              <a:rPr lang="en-US" sz="1200" dirty="0" smtClean="0">
-                <a:solidFill>
-                  <a:schemeClr val="tx1"/>
-                </a:solidFill>
-              </a:rPr>
-              <a:t>decrease (and why).</a:t>
-            </a:r>
-            <a:endParaRPr lang="en-US" sz="1200" dirty="0">
-              <a:solidFill>
-                <a:schemeClr val="tx1"/>
-              </a:solidFill>
-              <a:effectLst/>
-            </a:endParaRPr>
-          </a:p>
-        </p:txBody>
-      </p:sp>
-      <p:sp>
-        <p:nvSpPr>
           <p:cNvPr id="86" name="Rectangle 85">
             <a:extLst>
               <a:ext uri="{FF2B5EF4-FFF2-40B4-BE49-F238E27FC236}">
@@ -6851,50 +6702,6 @@
           </a:fontRef>
         </p:style>
       </p:cxnSp>
-      <p:cxnSp>
-        <p:nvCxnSpPr>
-          <p:cNvPr id="117" name="Straight Arrow Connector 6">
-            <a:extLst>
-              <a:ext uri="{FF2B5EF4-FFF2-40B4-BE49-F238E27FC236}">
-                <a16:creationId xmlns:a16="http://schemas.microsoft.com/office/drawing/2014/main" id="{BA31DAC9-4FF0-4F42-B53D-9A00039ECA80}"/>
-              </a:ext>
-            </a:extLst>
-          </p:cNvPr>
-          <p:cNvCxnSpPr>
-            <a:cxnSpLocks/>
-          </p:cNvCxnSpPr>
-          <p:nvPr/>
-        </p:nvCxnSpPr>
-        <p:spPr>
-          <a:xfrm flipH="1">
-            <a:off x="6042815" y="4318610"/>
-            <a:ext cx="537" cy="238753"/>
-          </a:xfrm>
-          <a:prstGeom prst="straightConnector1">
-            <a:avLst/>
-          </a:prstGeom>
-          <a:ln w="38100">
-            <a:solidFill>
-              <a:schemeClr val="tx1"/>
-            </a:solidFill>
-            <a:tailEnd type="triangle"/>
-          </a:ln>
-        </p:spPr>
-        <p:style>
-          <a:lnRef idx="1">
-            <a:schemeClr val="accent1"/>
-          </a:lnRef>
-          <a:fillRef idx="0">
-            <a:schemeClr val="accent1"/>
-          </a:fillRef>
-          <a:effectRef idx="0">
-            <a:schemeClr val="accent1"/>
-          </a:effectRef>
-          <a:fontRef idx="minor">
-            <a:schemeClr val="tx1"/>
-          </a:fontRef>
-        </p:style>
-      </p:cxnSp>
       <p:sp>
         <p:nvSpPr>
           <p:cNvPr id="125" name="Rectangle 124">
@@ -6909,7 +6716,7 @@
         </p:nvSpPr>
         <p:spPr>
           <a:xfrm>
-            <a:off x="476004" y="4568534"/>
+            <a:off x="469487" y="3877974"/>
             <a:ext cx="11178866" cy="423898"/>
           </a:xfrm>
           <a:prstGeom prst="rect">
@@ -7865,7 +7672,7 @@
         </p:nvSpPr>
         <p:spPr>
           <a:xfrm>
-            <a:off x="4863870" y="4992432"/>
+            <a:off x="4857353" y="4301872"/>
             <a:ext cx="6296890" cy="202342"/>
           </a:xfrm>
           <a:prstGeom prst="rect">
@@ -7981,7 +7788,7 @@
         </p:nvSpPr>
         <p:spPr>
           <a:xfrm>
-            <a:off x="1031240" y="4992432"/>
+            <a:off x="1024723" y="4301872"/>
             <a:ext cx="3510280" cy="202342"/>
           </a:xfrm>
           <a:prstGeom prst="rect">
@@ -16942,12 +16749,28 @@
               <a:t>Amount donated, interest in politics, vote in last election, universalistic vs. egoistic values, conjoint analysis, </a:t>
             </a:r>
             <a:r>
-              <a:rPr lang="en-US" sz="1050" dirty="0">
-                <a:solidFill>
-                  <a:schemeClr val="tx1"/>
-                </a:solidFill>
-              </a:rPr>
-              <a:t>split of 100 points among 6 policies</a:t>
+              <a:rPr lang="en-US" sz="1050" i="1" dirty="0" smtClean="0">
+                <a:solidFill>
+                  <a:schemeClr val="tx1"/>
+                </a:solidFill>
+              </a:rPr>
+              <a:t>not US2</a:t>
+            </a:r>
+            <a:r>
+              <a:rPr lang="en-US" sz="1050" i="1" smtClean="0">
+                <a:solidFill>
+                  <a:schemeClr val="tx1"/>
+                </a:solidFill>
+              </a:rPr>
+              <a:t>: </a:t>
+            </a:r>
+            <a:r>
+              <a:rPr lang="en-US" sz="1050" smtClean="0">
+                <a:solidFill>
+                  <a:schemeClr val="tx1"/>
+                </a:solidFill>
+              </a:rPr>
+              <a:t>prioritization, </a:t>
             </a:r>
             <a:r>
               <a:rPr lang="en-US" sz="1050" dirty="0" smtClean="0">
@@ -16955,7 +16778,7 @@
                   <a:schemeClr val="tx1"/>
                 </a:solidFill>
               </a:rPr>
-              <a:t>, questions on the ETS2, feedback.</a:t>
+              <a:t>questions on the ETS2, feedback.</a:t>
             </a:r>
             <a:endParaRPr lang="en-US" sz="1050" dirty="0">
               <a:solidFill>
@@ -16980,7 +16803,7 @@
         <p:spPr>
           <a:xfrm>
             <a:off x="1208950" y="5977888"/>
-            <a:ext cx="9960264" cy="344529"/>
+            <a:ext cx="7442226" cy="344529"/>
           </a:xfrm>
           <a:prstGeom prst="rect">
             <a:avLst/>
@@ -17071,7 +16894,23 @@
                   <a:schemeClr val="tx1"/>
                 </a:solidFill>
               </a:rPr>
-              <a:t>Support for rich countries funding compensation, mitigation, adaptation, for global taxes or fair-trade policies; should foreign </a:t>
+              <a:t>Support </a:t>
+            </a:r>
+            <a:r>
+              <a:rPr lang="en-US" sz="1050" dirty="0" smtClean="0">
+                <a:solidFill>
+                  <a:schemeClr val="tx1"/>
+                </a:solidFill>
+              </a:rPr>
+              <a:t>for climate justice policies, </a:t>
+            </a:r>
+            <a:r>
+              <a:rPr lang="en-US" sz="1050" dirty="0" smtClean="0">
+                <a:solidFill>
+                  <a:schemeClr val="tx1"/>
+                </a:solidFill>
+              </a:rPr>
+              <a:t>for global taxes or fair-trade policies; should foreign </a:t>
             </a:r>
             <a:r>
               <a:rPr lang="en-US" sz="1050" dirty="0">
@@ -20643,6 +20482,50 @@
           </a:p>
         </p:txBody>
       </p:sp>
+      <p:cxnSp>
+        <p:nvCxnSpPr>
+          <p:cNvPr id="61" name="Straight Arrow Connector 6">
+            <a:extLst>
+              <a:ext uri="{FF2B5EF4-FFF2-40B4-BE49-F238E27FC236}">
+                <a16:creationId xmlns:a16="http://schemas.microsoft.com/office/drawing/2014/main" id="{BA31DAC9-4FF0-4F42-B53D-9A00039ECA80}"/>
+              </a:ext>
+            </a:extLst>
+          </p:cNvPr>
+          <p:cNvCxnSpPr>
+            <a:cxnSpLocks/>
+          </p:cNvCxnSpPr>
+          <p:nvPr/>
+        </p:nvCxnSpPr>
+        <p:spPr>
+          <a:xfrm>
+            <a:off x="9808204" y="5690217"/>
+            <a:ext cx="15615" cy="828690"/>
+          </a:xfrm>
+          <a:prstGeom prst="straightConnector1">
+            <a:avLst/>
+          </a:prstGeom>
+          <a:ln w="38100">
+            <a:solidFill>
+              <a:schemeClr val="tx1"/>
+            </a:solidFill>
+            <a:tailEnd type="triangle"/>
+          </a:ln>
+        </p:spPr>
+        <p:style>
+          <a:lnRef idx="1">
+            <a:schemeClr val="accent1"/>
+          </a:lnRef>
+          <a:fillRef idx="0">
+            <a:schemeClr val="accent1"/>
+          </a:fillRef>
+          <a:effectRef idx="0">
+            <a:schemeClr val="accent1"/>
+          </a:effectRef>
+          <a:fontRef idx="minor">
+            <a:schemeClr val="tx1"/>
+          </a:fontRef>
+        </p:style>
+      </p:cxnSp>
     </p:spTree>
     <p:extLst>
       <p:ext uri="{BB962C8B-B14F-4D97-AF65-F5344CB8AC3E}">
@@ -20810,7 +20693,7 @@
                   <a:schemeClr val="tx1"/>
                 </a:solidFill>
               </a:rPr>
-              <a:t>Universalistic v</a:t>
+              <a:t>Universalistic </a:t>
             </a:r>
             <a:r>
               <a:rPr lang="en-US" sz="1100" b="1" dirty="0" smtClean="0">
@@ -20818,7 +20701,15 @@
                   <a:schemeClr val="tx1"/>
                 </a:solidFill>
               </a:rPr>
-              <a:t>alues</a:t>
+              <a:t>values, </a:t>
+            </a:r>
+            <a:r>
+              <a:rPr lang="en-US" sz="1100" b="1" i="1" dirty="0" smtClean="0">
+                <a:solidFill>
+                  <a:schemeClr val="tx1"/>
+                </a:solidFill>
+              </a:rPr>
+              <a:t>not US2</a:t>
             </a:r>
             <a:r>
               <a:rPr lang="en-US" sz="1100" b="1" dirty="0" smtClean="0">
@@ -20826,7 +20717,7 @@
                   <a:schemeClr val="tx1"/>
                 </a:solidFill>
               </a:rPr>
-              <a:t>, </a:t>
+              <a:t>: prioritization </a:t>
             </a:r>
             <a:r>
               <a:rPr lang="en-US" sz="1100" b="1" dirty="0" smtClean="0">
@@ -20834,23 +20725,7 @@
                   <a:schemeClr val="tx1"/>
                 </a:solidFill>
               </a:rPr>
-              <a:t>prioritization </a:t>
-            </a:r>
-            <a:r>
-              <a:rPr lang="en-US" sz="1100" b="1" dirty="0" smtClean="0">
-                <a:solidFill>
-                  <a:schemeClr val="tx1"/>
-                </a:solidFill>
-              </a:rPr>
-              <a:t>of policies, </a:t>
-            </a:r>
-            <a:r>
-              <a:rPr lang="en-US" sz="1100" b="1" dirty="0" smtClean="0">
-                <a:solidFill>
-                  <a:schemeClr val="tx1"/>
-                </a:solidFill>
-              </a:rPr>
-              <a:t>and feedback</a:t>
+              <a:t>of policies, and feedback</a:t>
             </a:r>
             <a:endParaRPr lang="en-US" sz="1050" dirty="0">
               <a:solidFill>
@@ -20875,7 +20750,7 @@
         <p:spPr>
           <a:xfrm>
             <a:off x="4026687" y="5016969"/>
-            <a:ext cx="4383199" cy="186177"/>
+            <a:ext cx="3028019" cy="186177"/>
           </a:xfrm>
           <a:prstGeom prst="rect">
             <a:avLst/>
@@ -21147,21 +21022,8 @@
                   <a:schemeClr val="tx1"/>
                 </a:solidFill>
               </a:rPr>
-              <a:t>and National redistribution (R</a:t>
-            </a:r>
-            <a:r>
-              <a:rPr lang="en-US" sz="1100" dirty="0" smtClean="0">
-                <a:solidFill>
-                  <a:schemeClr val="tx1"/>
-                </a:solidFill>
-              </a:rPr>
-              <a:t>)</a:t>
-            </a:r>
-            <a:endParaRPr lang="en-US" sz="1100" dirty="0" smtClean="0">
-              <a:solidFill>
-                <a:schemeClr val="tx1"/>
-              </a:solidFill>
-            </a:endParaRPr>
+              <a:t>and National redistribution (R)</a:t>
+            </a:r>
           </a:p>
           <a:p>
             <a:pPr algn="ctr"/>
@@ -21171,23 +21033,7 @@
                   <a:schemeClr val="tx1"/>
                 </a:solidFill>
               </a:rPr>
-              <a:t>Description, comprehension questions, </a:t>
-            </a:r>
-            <a:r>
-              <a:rPr lang="en-US" sz="1050" dirty="0" smtClean="0">
-                <a:solidFill>
-                  <a:schemeClr val="tx1"/>
-                </a:solidFill>
-              </a:rPr>
-              <a:t>support</a:t>
-            </a:r>
-            <a:r>
-              <a:rPr lang="en-US" sz="1050" dirty="0" smtClean="0">
-                <a:solidFill>
-                  <a:schemeClr val="tx1"/>
-                </a:solidFill>
-              </a:rPr>
-              <a:t>, second-order beliefs.</a:t>
+              <a:t>Description, comprehension questions, support, second-order beliefs.</a:t>
             </a:r>
             <a:endParaRPr lang="en-US" sz="1050" dirty="0">
               <a:solidFill>
@@ -21362,15 +21208,7 @@
                   <a:schemeClr val="tx1"/>
                 </a:solidFill>
               </a:rPr>
-              <a:t>Conjoint </a:t>
-            </a:r>
-            <a:r>
-              <a:rPr lang="en-US" sz="1100" b="1" dirty="0" smtClean="0">
-                <a:solidFill>
-                  <a:schemeClr val="tx1"/>
-                </a:solidFill>
-              </a:rPr>
-              <a:t>analysis</a:t>
+              <a:t>Conjoint analysis</a:t>
             </a:r>
             <a:endParaRPr lang="en-US" sz="1050" dirty="0">
               <a:solidFill>
@@ -21707,15 +21545,7 @@
                   <a:schemeClr val="tx1"/>
                 </a:solidFill>
               </a:rPr>
-              <a:t>Donation </a:t>
-            </a:r>
-            <a:r>
-              <a:rPr lang="en-US" sz="1100" b="1" dirty="0" smtClean="0">
-                <a:solidFill>
-                  <a:schemeClr val="tx1"/>
-                </a:solidFill>
-              </a:rPr>
-              <a:t>lottery</a:t>
+              <a:t>Donation lottery</a:t>
             </a:r>
             <a:endParaRPr lang="en-US" sz="1200" dirty="0" smtClean="0">
               <a:solidFill>
@@ -21793,23 +21623,7 @@
           <a:p>
             <a:r>
               <a:rPr lang="fr-FR" i="1" dirty="0" smtClean="0"/>
-              <a:t>US1</a:t>
-            </a:r>
-            <a:r>
-              <a:rPr lang="fr-FR" i="1" dirty="0" smtClean="0"/>
-              <a:t>	</a:t>
-            </a:r>
-            <a:r>
-              <a:rPr lang="fr-FR" i="1" dirty="0" smtClean="0"/>
-              <a:t>              Eu</a:t>
-            </a:r>
-            <a:r>
-              <a:rPr lang="fr-FR" i="1" dirty="0" smtClean="0"/>
-              <a:t>	</a:t>
-            </a:r>
-            <a:r>
-              <a:rPr lang="fr-FR" i="1" dirty="0" smtClean="0"/>
-              <a:t>        US2</a:t>
+              <a:t>US1	              Eu	        US2</a:t>
             </a:r>
             <a:endParaRPr lang="en-US" i="1" dirty="0"/>
           </a:p>
@@ -21873,15 +21687,7 @@
                   <a:schemeClr val="tx1"/>
                 </a:solidFill>
               </a:rPr>
-              <a:t>Foreign </a:t>
-            </a:r>
-            <a:r>
-              <a:rPr lang="en-US" sz="1100" b="1" dirty="0" smtClean="0">
-                <a:solidFill>
-                  <a:schemeClr val="tx1"/>
-                </a:solidFill>
-              </a:rPr>
-              <a:t>aid</a:t>
+              <a:t>Foreign aid</a:t>
             </a:r>
             <a:endParaRPr lang="en-US" sz="1200" dirty="0" smtClean="0">
               <a:solidFill>
@@ -22241,6 +22047,50 @@
           <a:xfrm>
             <a:off x="6200670" y="4847832"/>
             <a:ext cx="1793" cy="170811"/>
+          </a:xfrm>
+          <a:prstGeom prst="straightConnector1">
+            <a:avLst/>
+          </a:prstGeom>
+          <a:ln w="38100">
+            <a:solidFill>
+              <a:schemeClr val="tx1"/>
+            </a:solidFill>
+            <a:tailEnd type="triangle"/>
+          </a:ln>
+        </p:spPr>
+        <p:style>
+          <a:lnRef idx="1">
+            <a:schemeClr val="accent1"/>
+          </a:lnRef>
+          <a:fillRef idx="0">
+            <a:schemeClr val="accent1"/>
+          </a:fillRef>
+          <a:effectRef idx="0">
+            <a:schemeClr val="accent1"/>
+          </a:effectRef>
+          <a:fontRef idx="minor">
+            <a:schemeClr val="tx1"/>
+          </a:fontRef>
+        </p:style>
+      </p:cxnSp>
+      <p:cxnSp>
+        <p:nvCxnSpPr>
+          <p:cNvPr id="29" name="Straight Arrow Connector 6">
+            <a:extLst>
+              <a:ext uri="{FF2B5EF4-FFF2-40B4-BE49-F238E27FC236}">
+                <a16:creationId xmlns:a16="http://schemas.microsoft.com/office/drawing/2014/main" id="{BA31DAC9-4FF0-4F42-B53D-9A00039ECA80}"/>
+              </a:ext>
+            </a:extLst>
+          </p:cNvPr>
+          <p:cNvCxnSpPr>
+            <a:cxnSpLocks/>
+          </p:cNvCxnSpPr>
+          <p:nvPr/>
+        </p:nvCxnSpPr>
+        <p:spPr>
+          <a:xfrm>
+            <a:off x="7790151" y="4854928"/>
+            <a:ext cx="1793" cy="534951"/>
           </a:xfrm>
           <a:prstGeom prst="straightConnector1">
             <a:avLst/>
